--- a/asset/a-dancers-tale/a-dancers-tale_cn.pptx
+++ b/asset/a-dancers-tale/a-dancers-tale_cn.pptx
@@ -260,7 +260,7 @@
           <a:p>
             <a:fld id="{82C77D0E-803D-42BB-B1A4-ED185B558E37}" type="datetimeFigureOut">
               <a:rPr lang="zh-CN" altLang="en-US" smtClean="0"/>
-              <a:t>2021/3/14</a:t>
+              <a:t>2021/3/18</a:t>
             </a:fld>
             <a:endParaRPr lang="zh-CN" altLang="en-US"/>
           </a:p>
@@ -430,7 +430,7 @@
           <a:p>
             <a:fld id="{82C77D0E-803D-42BB-B1A4-ED185B558E37}" type="datetimeFigureOut">
               <a:rPr lang="zh-CN" altLang="en-US" smtClean="0"/>
-              <a:t>2021/3/14</a:t>
+              <a:t>2021/3/18</a:t>
             </a:fld>
             <a:endParaRPr lang="zh-CN" altLang="en-US"/>
           </a:p>
@@ -610,7 +610,7 @@
           <a:p>
             <a:fld id="{82C77D0E-803D-42BB-B1A4-ED185B558E37}" type="datetimeFigureOut">
               <a:rPr lang="zh-CN" altLang="en-US" smtClean="0"/>
-              <a:t>2021/3/14</a:t>
+              <a:t>2021/3/18</a:t>
             </a:fld>
             <a:endParaRPr lang="zh-CN" altLang="en-US"/>
           </a:p>
@@ -780,7 +780,7 @@
           <a:p>
             <a:fld id="{82C77D0E-803D-42BB-B1A4-ED185B558E37}" type="datetimeFigureOut">
               <a:rPr lang="zh-CN" altLang="en-US" smtClean="0"/>
-              <a:t>2021/3/14</a:t>
+              <a:t>2021/3/18</a:t>
             </a:fld>
             <a:endParaRPr lang="zh-CN" altLang="en-US"/>
           </a:p>
@@ -1026,7 +1026,7 @@
           <a:p>
             <a:fld id="{82C77D0E-803D-42BB-B1A4-ED185B558E37}" type="datetimeFigureOut">
               <a:rPr lang="zh-CN" altLang="en-US" smtClean="0"/>
-              <a:t>2021/3/14</a:t>
+              <a:t>2021/3/18</a:t>
             </a:fld>
             <a:endParaRPr lang="zh-CN" altLang="en-US"/>
           </a:p>
@@ -1258,7 +1258,7 @@
           <a:p>
             <a:fld id="{82C77D0E-803D-42BB-B1A4-ED185B558E37}" type="datetimeFigureOut">
               <a:rPr lang="zh-CN" altLang="en-US" smtClean="0"/>
-              <a:t>2021/3/14</a:t>
+              <a:t>2021/3/18</a:t>
             </a:fld>
             <a:endParaRPr lang="zh-CN" altLang="en-US"/>
           </a:p>
@@ -1625,7 +1625,7 @@
           <a:p>
             <a:fld id="{82C77D0E-803D-42BB-B1A4-ED185B558E37}" type="datetimeFigureOut">
               <a:rPr lang="zh-CN" altLang="en-US" smtClean="0"/>
-              <a:t>2021/3/14</a:t>
+              <a:t>2021/3/18</a:t>
             </a:fld>
             <a:endParaRPr lang="zh-CN" altLang="en-US"/>
           </a:p>
@@ -1743,7 +1743,7 @@
           <a:p>
             <a:fld id="{82C77D0E-803D-42BB-B1A4-ED185B558E37}" type="datetimeFigureOut">
               <a:rPr lang="zh-CN" altLang="en-US" smtClean="0"/>
-              <a:t>2021/3/14</a:t>
+              <a:t>2021/3/18</a:t>
             </a:fld>
             <a:endParaRPr lang="zh-CN" altLang="en-US"/>
           </a:p>
@@ -1838,7 +1838,7 @@
           <a:p>
             <a:fld id="{82C77D0E-803D-42BB-B1A4-ED185B558E37}" type="datetimeFigureOut">
               <a:rPr lang="zh-CN" altLang="en-US" smtClean="0"/>
-              <a:t>2021/3/14</a:t>
+              <a:t>2021/3/18</a:t>
             </a:fld>
             <a:endParaRPr lang="zh-CN" altLang="en-US"/>
           </a:p>
@@ -2115,7 +2115,7 @@
           <a:p>
             <a:fld id="{82C77D0E-803D-42BB-B1A4-ED185B558E37}" type="datetimeFigureOut">
               <a:rPr lang="zh-CN" altLang="en-US" smtClean="0"/>
-              <a:t>2021/3/14</a:t>
+              <a:t>2021/3/18</a:t>
             </a:fld>
             <a:endParaRPr lang="zh-CN" altLang="en-US"/>
           </a:p>
@@ -2372,7 +2372,7 @@
           <a:p>
             <a:fld id="{82C77D0E-803D-42BB-B1A4-ED185B558E37}" type="datetimeFigureOut">
               <a:rPr lang="zh-CN" altLang="en-US" smtClean="0"/>
-              <a:t>2021/3/14</a:t>
+              <a:t>2021/3/18</a:t>
             </a:fld>
             <a:endParaRPr lang="zh-CN" altLang="en-US"/>
           </a:p>
@@ -2587,7 +2587,7 @@
             <a:fld id="{82C77D0E-803D-42BB-B1A4-ED185B558E37}" type="datetimeFigureOut">
               <a:rPr lang="zh-CN" altLang="en-US" smtClean="0"/>
               <a:pPr/>
-              <a:t>2021/3/14</a:t>
+              <a:t>2021/3/18</a:t>
             </a:fld>
             <a:endParaRPr lang="zh-CN" altLang="en-US"/>
           </a:p>
@@ -6430,6 +6430,7 @@
             <a:r>
               <a:rPr lang="zh-CN" altLang="en-US" sz="2400">
                 <a:latin typeface="思源黑体 CN Medium" panose="020B0600000000000000" pitchFamily="34" charset="-122"/>
+                <a:ea typeface="思源黑体 CN Medium" panose="020B0600000000000000" pitchFamily="34" charset="-122"/>
               </a:rPr>
               <a:t>从墨西哥到加拿大</a:t>
             </a:r>
@@ -6443,6 +6444,7 @@
             <a:r>
               <a:rPr lang="zh-CN" altLang="en-US" sz="2400">
                 <a:latin typeface="思源黑体 CN Medium" panose="020B0600000000000000" pitchFamily="34" charset="-122"/>
+                <a:ea typeface="思源黑体 CN Medium" panose="020B0600000000000000" pitchFamily="34" charset="-122"/>
               </a:rPr>
               <a:t>从美利坚到法兰西</a:t>
             </a:r>
@@ -6456,6 +6458,7 @@
             <a:r>
               <a:rPr lang="zh-CN" altLang="en-US" sz="2400">
                 <a:latin typeface="思源黑体 CN Medium" panose="020B0600000000000000" pitchFamily="34" charset="-122"/>
+                <a:ea typeface="思源黑体 CN Medium" panose="020B0600000000000000" pitchFamily="34" charset="-122"/>
               </a:rPr>
               <a:t>每个人都想邀请她</a:t>
             </a:r>
@@ -6469,11 +6472,13 @@
             <a:r>
               <a:rPr lang="zh-CN" altLang="en-US" sz="2400">
                 <a:latin typeface="思源黑体 CN Medium" panose="020B0600000000000000" pitchFamily="34" charset="-122"/>
+                <a:ea typeface="思源黑体 CN Medium" panose="020B0600000000000000" pitchFamily="34" charset="-122"/>
               </a:rPr>
               <a:t>来参观和舞蹈</a:t>
             </a:r>
             <a:endParaRPr lang="en-US" altLang="zh-CN" sz="2400">
               <a:latin typeface="思源黑体 CN Medium" panose="020B0600000000000000" pitchFamily="34" charset="-122"/>
+              <a:ea typeface="思源黑体 CN Medium" panose="020B0600000000000000" pitchFamily="34" charset="-122"/>
             </a:endParaRPr>
           </a:p>
           <a:p>
@@ -6484,6 +6489,7 @@
             </a:pPr>
             <a:endParaRPr lang="zh-CN" altLang="en-US" sz="2400">
               <a:latin typeface="思源黑体 CN Medium" panose="020B0600000000000000" pitchFamily="34" charset="-122"/>
+              <a:ea typeface="思源黑体 CN Medium" panose="020B0600000000000000" pitchFamily="34" charset="-122"/>
             </a:endParaRPr>
           </a:p>
           <a:p>
@@ -6495,6 +6501,7 @@
             <a:r>
               <a:rPr lang="zh-CN" altLang="en-US" sz="2400">
                 <a:latin typeface="思源黑体 CN Medium" panose="020B0600000000000000" pitchFamily="34" charset="-122"/>
+                <a:ea typeface="思源黑体 CN Medium" panose="020B0600000000000000" pitchFamily="34" charset="-122"/>
               </a:rPr>
               <a:t>跟着皇家芭蕾舞团</a:t>
             </a:r>
@@ -6508,6 +6515,7 @@
             <a:r>
               <a:rPr lang="zh-CN" altLang="en-US" sz="2400">
                 <a:latin typeface="思源黑体 CN Medium" panose="020B0600000000000000" pitchFamily="34" charset="-122"/>
+                <a:ea typeface="思源黑体 CN Medium" panose="020B0600000000000000" pitchFamily="34" charset="-122"/>
               </a:rPr>
               <a:t>和她所有的朋友们</a:t>
             </a:r>
@@ -6521,6 +6529,7 @@
             <a:r>
               <a:rPr lang="zh-CN" altLang="en-US" sz="2400">
                 <a:latin typeface="思源黑体 CN Medium" panose="020B0600000000000000" pitchFamily="34" charset="-122"/>
+                <a:ea typeface="思源黑体 CN Medium" panose="020B0600000000000000" pitchFamily="34" charset="-122"/>
               </a:rPr>
               <a:t>她传播对舞蹈的热爱</a:t>
             </a:r>
@@ -6534,6 +6543,7 @@
             <a:r>
               <a:rPr lang="zh-CN" altLang="en-US" sz="2400">
                 <a:latin typeface="思源黑体 CN Medium" panose="020B0600000000000000" pitchFamily="34" charset="-122"/>
+                <a:ea typeface="思源黑体 CN Medium" panose="020B0600000000000000" pitchFamily="34" charset="-122"/>
               </a:rPr>
               <a:t>永远不会结束</a:t>
             </a:r>
